--- a/3_Presentations/week 1/Tower Structure Week 2, 28.09.2025.pptx
+++ b/3_Presentations/week 1/Tower Structure Week 2, 28.09.2025.pptx
@@ -278,7 +278,7 @@
           <a:p>
             <a:fld id="{ED753E7D-EEC7-43DF-AF05-49FE1E0C7B25}" type="datetimeFigureOut">
               <a:rPr lang="de-DE" smtClean="0"/>
-              <a:t>28.09.2025</a:t>
+              <a:t>29.09.2025</a:t>
             </a:fld>
             <a:endParaRPr lang="de-DE"/>
           </a:p>
@@ -455,7 +455,7 @@
           <a:p>
             <a:fld id="{F652B7C8-164C-4140-932B-122F288D33CD}" type="datetimeFigureOut">
               <a:rPr lang="en-GB" smtClean="0"/>
-              <a:t>28/09/2025</a:t>
+              <a:t>29/09/2025</a:t>
             </a:fld>
             <a:endParaRPr lang="en-GB"/>
           </a:p>
@@ -1134,7 +1134,7 @@
           <a:p>
             <a:fld id="{02AEE8E4-D792-40D2-B8D4-0007E21A0CF8}" type="datetime1">
               <a:rPr lang="en-GB" smtClean="0"/>
-              <a:t>28/09/2025</a:t>
+              <a:t>29/09/2025</a:t>
             </a:fld>
             <a:endParaRPr lang="en-GB" dirty="0"/>
           </a:p>
@@ -1773,7 +1773,7 @@
           <a:p>
             <a:fld id="{02AEE8E4-D792-40D2-B8D4-0007E21A0CF8}" type="datetime1">
               <a:rPr lang="en-GB" smtClean="0"/>
-              <a:t>28/09/2025</a:t>
+              <a:t>29/09/2025</a:t>
             </a:fld>
             <a:endParaRPr lang="en-GB" dirty="0"/>
           </a:p>
@@ -2129,7 +2129,7 @@
           <a:p>
             <a:fld id="{02AEE8E4-D792-40D2-B8D4-0007E21A0CF8}" type="datetime1">
               <a:rPr lang="en-GB" smtClean="0"/>
-              <a:t>28/09/2025</a:t>
+              <a:t>29/09/2025</a:t>
             </a:fld>
             <a:endParaRPr lang="en-GB" dirty="0"/>
           </a:p>
@@ -2456,7 +2456,7 @@
           <a:p>
             <a:fld id="{02AEE8E4-D792-40D2-B8D4-0007E21A0CF8}" type="datetime1">
               <a:rPr lang="en-GB" smtClean="0"/>
-              <a:t>28/09/2025</a:t>
+              <a:t>29/09/2025</a:t>
             </a:fld>
             <a:endParaRPr lang="en-GB" dirty="0"/>
           </a:p>
@@ -2930,7 +2930,7 @@
           <a:p>
             <a:fld id="{02AEE8E4-D792-40D2-B8D4-0007E21A0CF8}" type="datetime1">
               <a:rPr lang="en-GB" smtClean="0"/>
-              <a:t>28/09/2025</a:t>
+              <a:t>29/09/2025</a:t>
             </a:fld>
             <a:endParaRPr lang="en-GB" dirty="0"/>
           </a:p>
@@ -3102,7 +3102,7 @@
           <a:p>
             <a:fld id="{02AEE8E4-D792-40D2-B8D4-0007E21A0CF8}" type="datetime1">
               <a:rPr lang="en-GB" smtClean="0"/>
-              <a:t>28/09/2025</a:t>
+              <a:t>29/09/2025</a:t>
             </a:fld>
             <a:endParaRPr lang="en-GB" dirty="0"/>
           </a:p>
@@ -3474,7 +3474,7 @@
           <a:p>
             <a:fld id="{02AEE8E4-D792-40D2-B8D4-0007E21A0CF8}" type="datetime1">
               <a:rPr lang="en-GB" smtClean="0"/>
-              <a:t>28/09/2025</a:t>
+              <a:t>29/09/2025</a:t>
             </a:fld>
             <a:endParaRPr lang="en-GB" dirty="0"/>
           </a:p>
@@ -3826,7 +3826,7 @@
           <a:p>
             <a:fld id="{02AEE8E4-D792-40D2-B8D4-0007E21A0CF8}" type="datetime1">
               <a:rPr lang="en-GB" smtClean="0"/>
-              <a:t>28/09/2025</a:t>
+              <a:t>29/09/2025</a:t>
             </a:fld>
             <a:endParaRPr lang="en-GB" dirty="0"/>
           </a:p>
@@ -4085,7 +4085,7 @@
           <a:p>
             <a:fld id="{02AEE8E4-D792-40D2-B8D4-0007E21A0CF8}" type="datetime1">
               <a:rPr lang="en-GB" smtClean="0"/>
-              <a:t>28/09/2025</a:t>
+              <a:t>29/09/2025</a:t>
             </a:fld>
             <a:endParaRPr lang="en-GB" dirty="0"/>
           </a:p>
@@ -4354,7 +4354,7 @@
           <a:p>
             <a:fld id="{02AEE8E4-D792-40D2-B8D4-0007E21A0CF8}" type="datetime1">
               <a:rPr lang="en-GB" smtClean="0"/>
-              <a:t>28/09/2025</a:t>
+              <a:t>29/09/2025</a:t>
             </a:fld>
             <a:endParaRPr lang="en-GB" dirty="0"/>
           </a:p>
@@ -5344,7 +5344,7 @@
           <a:p>
             <a:fld id="{02AEE8E4-D792-40D2-B8D4-0007E21A0CF8}" type="datetime1">
               <a:rPr lang="en-GB" smtClean="0"/>
-              <a:t>28/09/2025</a:t>
+              <a:t>29/09/2025</a:t>
             </a:fld>
             <a:endParaRPr lang="en-GB" dirty="0"/>
           </a:p>
@@ -5593,7 +5593,7 @@
           <a:p>
             <a:fld id="{2E7B50CE-CAFE-4C5F-A0CA-8D85EFD90BD8}" type="datetimeFigureOut">
               <a:rPr lang="de-DE" smtClean="0"/>
-              <a:t>28.09.2025</a:t>
+              <a:t>29.09.2025</a:t>
             </a:fld>
             <a:endParaRPr lang="de-DE"/>
           </a:p>
@@ -5855,7 +5855,7 @@
           <a:p>
             <a:fld id="{2E7B50CE-CAFE-4C5F-A0CA-8D85EFD90BD8}" type="datetimeFigureOut">
               <a:rPr lang="de-DE" smtClean="0"/>
-              <a:t>28.09.2025</a:t>
+              <a:t>29.09.2025</a:t>
             </a:fld>
             <a:endParaRPr lang="de-DE"/>
           </a:p>
@@ -6159,7 +6159,7 @@
           <a:p>
             <a:fld id="{2E7B50CE-CAFE-4C5F-A0CA-8D85EFD90BD8}" type="datetimeFigureOut">
               <a:rPr lang="de-DE" smtClean="0"/>
-              <a:t>28.09.2025</a:t>
+              <a:t>29.09.2025</a:t>
             </a:fld>
             <a:endParaRPr lang="de-DE"/>
           </a:p>
@@ -6597,7 +6597,7 @@
           <a:p>
             <a:fld id="{2E7B50CE-CAFE-4C5F-A0CA-8D85EFD90BD8}" type="datetimeFigureOut">
               <a:rPr lang="de-DE" smtClean="0"/>
-              <a:t>28.09.2025</a:t>
+              <a:t>29.09.2025</a:t>
             </a:fld>
             <a:endParaRPr lang="de-DE"/>
           </a:p>
@@ -6731,7 +6731,7 @@
           <a:p>
             <a:fld id="{2E7B50CE-CAFE-4C5F-A0CA-8D85EFD90BD8}" type="datetimeFigureOut">
               <a:rPr lang="de-DE" smtClean="0"/>
-              <a:t>28.09.2025</a:t>
+              <a:t>29.09.2025</a:t>
             </a:fld>
             <a:endParaRPr lang="de-DE"/>
           </a:p>
@@ -6842,7 +6842,7 @@
           <a:p>
             <a:fld id="{2E7B50CE-CAFE-4C5F-A0CA-8D85EFD90BD8}" type="datetimeFigureOut">
               <a:rPr lang="de-DE" smtClean="0"/>
-              <a:t>28.09.2025</a:t>
+              <a:t>29.09.2025</a:t>
             </a:fld>
             <a:endParaRPr lang="de-DE"/>
           </a:p>
@@ -7135,7 +7135,7 @@
           <a:p>
             <a:fld id="{2E7B50CE-CAFE-4C5F-A0CA-8D85EFD90BD8}" type="datetimeFigureOut">
               <a:rPr lang="de-DE" smtClean="0"/>
-              <a:t>28.09.2025</a:t>
+              <a:t>29.09.2025</a:t>
             </a:fld>
             <a:endParaRPr lang="de-DE"/>
           </a:p>
@@ -7404,7 +7404,7 @@
           <a:p>
             <a:fld id="{2E7B50CE-CAFE-4C5F-A0CA-8D85EFD90BD8}" type="datetimeFigureOut">
               <a:rPr lang="de-DE" smtClean="0"/>
-              <a:t>28.09.2025</a:t>
+              <a:t>29.09.2025</a:t>
             </a:fld>
             <a:endParaRPr lang="de-DE"/>
           </a:p>
@@ -7590,7 +7590,7 @@
           <a:p>
             <a:fld id="{2E7B50CE-CAFE-4C5F-A0CA-8D85EFD90BD8}" type="datetimeFigureOut">
               <a:rPr lang="de-DE" smtClean="0"/>
-              <a:t>28.09.2025</a:t>
+              <a:t>29.09.2025</a:t>
             </a:fld>
             <a:endParaRPr lang="de-DE"/>
           </a:p>
@@ -7786,7 +7786,7 @@
           <a:p>
             <a:fld id="{2E7B50CE-CAFE-4C5F-A0CA-8D85EFD90BD8}" type="datetimeFigureOut">
               <a:rPr lang="de-DE" smtClean="0"/>
-              <a:t>28.09.2025</a:t>
+              <a:t>29.09.2025</a:t>
             </a:fld>
             <a:endParaRPr lang="de-DE"/>
           </a:p>
@@ -8113,7 +8113,7 @@
           <a:p>
             <a:fld id="{02AEE8E4-D792-40D2-B8D4-0007E21A0CF8}" type="datetime1">
               <a:rPr lang="en-GB" smtClean="0"/>
-              <a:t>28/09/2025</a:t>
+              <a:t>29/09/2025</a:t>
             </a:fld>
             <a:endParaRPr lang="en-GB" dirty="0"/>
           </a:p>
@@ -13538,7 +13538,7 @@
           <a:p>
             <a:fld id="{02AEE8E4-D792-40D2-B8D4-0007E21A0CF8}" type="datetime1">
               <a:rPr lang="en-GB" smtClean="0"/>
-              <a:t>28/09/2025</a:t>
+              <a:t>29/09/2025</a:t>
             </a:fld>
             <a:endParaRPr lang="en-GB" dirty="0"/>
           </a:p>
@@ -16096,7 +16096,7 @@
           <a:p>
             <a:fld id="{02AEE8E4-D792-40D2-B8D4-0007E21A0CF8}" type="datetime1">
               <a:rPr lang="en-GB" smtClean="0"/>
-              <a:t>28/09/2025</a:t>
+              <a:t>29/09/2025</a:t>
             </a:fld>
             <a:endParaRPr lang="en-GB" dirty="0"/>
           </a:p>
@@ -17094,7 +17094,7 @@
           <a:p>
             <a:fld id="{02AEE8E4-D792-40D2-B8D4-0007E21A0CF8}" type="datetime1">
               <a:rPr lang="en-GB" smtClean="0"/>
-              <a:t>28/09/2025</a:t>
+              <a:t>29/09/2025</a:t>
             </a:fld>
             <a:endParaRPr lang="en-GB" dirty="0"/>
           </a:p>
@@ -17474,7 +17474,7 @@
           <a:p>
             <a:fld id="{02AEE8E4-D792-40D2-B8D4-0007E21A0CF8}" type="datetime1">
               <a:rPr lang="en-GB" smtClean="0"/>
-              <a:t>28/09/2025</a:t>
+              <a:t>29/09/2025</a:t>
             </a:fld>
             <a:endParaRPr lang="en-GB" dirty="0"/>
           </a:p>
@@ -18135,7 +18135,7 @@
           <a:p>
             <a:fld id="{02AEE8E4-D792-40D2-B8D4-0007E21A0CF8}" type="datetime1">
               <a:rPr lang="en-GB" smtClean="0"/>
-              <a:t>28/09/2025</a:t>
+              <a:t>29/09/2025</a:t>
             </a:fld>
             <a:endParaRPr lang="en-GB" dirty="0"/>
           </a:p>
@@ -18466,7 +18466,7 @@
           <a:p>
             <a:fld id="{02AEE8E4-D792-40D2-B8D4-0007E21A0CF8}" type="datetime1">
               <a:rPr lang="en-GB" smtClean="0"/>
-              <a:t>28/09/2025</a:t>
+              <a:t>29/09/2025</a:t>
             </a:fld>
             <a:endParaRPr lang="en-GB" dirty="0"/>
           </a:p>
@@ -19225,7 +19225,7 @@
           <a:p>
             <a:fld id="{02AEE8E4-D792-40D2-B8D4-0007E21A0CF8}" type="datetime1">
               <a:rPr lang="en-GB" smtClean="0"/>
-              <a:t>28/09/2025</a:t>
+              <a:t>29/09/2025</a:t>
             </a:fld>
             <a:endParaRPr lang="en-GB" dirty="0"/>
           </a:p>
@@ -19636,7 +19636,7 @@
           <a:p>
             <a:fld id="{02AEE8E4-D792-40D2-B8D4-0007E21A0CF8}" type="datetime1">
               <a:rPr lang="en-GB" smtClean="0"/>
-              <a:t>28/09/2025</a:t>
+              <a:t>29/09/2025</a:t>
             </a:fld>
             <a:endParaRPr lang="en-GB" dirty="0"/>
           </a:p>
@@ -34753,7 +34753,7 @@
   <wetp:taskpane dockstate="right" visibility="0" width="438" row="0">
     <wetp:webextensionref xmlns:r="http://schemas.openxmlformats.org/officeDocument/2006/relationships" r:id="rId1"/>
   </wetp:taskpane>
-  <wetp:taskpane dockstate="right" visibility="1" width="525" row="0">
+  <wetp:taskpane dockstate="right" visibility="1" width="438" row="0">
     <wetp:webextensionref xmlns:r="http://schemas.openxmlformats.org/officeDocument/2006/relationships" r:id="rId2"/>
   </wetp:taskpane>
 </wetp:taskpanes>
